--- a/大作业.pptx
+++ b/大作业.pptx
@@ -110,6 +110,11 @@
       </a:defRPr>
     </a:lvl9pPr>
   </p:defaultTextStyle>
+  <p:extLst>
+    <p:ext uri="{EFAFB233-063F-42B5-8137-9DF3F51BA10A}">
+      <p15:sldGuideLst xmlns:p15="http://schemas.microsoft.com/office/powerpoint/2012/main"/>
+    </p:ext>
+  </p:extLst>
 </p:presentation>
 </file>
 
@@ -4227,12 +4232,16 @@
               <a:t>整体框架的搭建包括</a:t>
             </a:r>
             <a:r>
-              <a:rPr lang="en-US" altLang="zh-CN" dirty="0" err="1"/>
-              <a:t>RecycleList</a:t>
+              <a:rPr lang="en-US" altLang="zh-CN"/>
+              <a:t>RecycleView</a:t>
+            </a:r>
+            <a:r>
+              <a:rPr lang="zh-CN" altLang="en-US"/>
+              <a:t>的</a:t>
             </a:r>
             <a:r>
               <a:rPr lang="zh-CN" altLang="en-US" dirty="0"/>
-              <a:t>的配置、播放器以及小窗口模式的实现和各组件按键相关的绑定</a:t>
+              <a:t>配置、播放器以及小窗口模式的实现和各组件按键相关的绑定</a:t>
             </a:r>
             <a:endParaRPr lang="en-US" altLang="zh-CN" dirty="0"/>
           </a:p>
